--- a/figure.pptx
+++ b/figure.pptx
@@ -7,24 +7,26 @@
   <p:sldIdLst>
     <p:sldId id="275" r:id="rId2"/>
     <p:sldId id="265" r:id="rId3"/>
-    <p:sldId id="266" r:id="rId4"/>
-    <p:sldId id="267" r:id="rId5"/>
-    <p:sldId id="268" r:id="rId6"/>
-    <p:sldId id="269" r:id="rId7"/>
-    <p:sldId id="270" r:id="rId8"/>
-    <p:sldId id="271" r:id="rId9"/>
-    <p:sldId id="272" r:id="rId10"/>
-    <p:sldId id="273" r:id="rId11"/>
-    <p:sldId id="274" r:id="rId12"/>
-    <p:sldId id="258" r:id="rId13"/>
-    <p:sldId id="256" r:id="rId14"/>
-    <p:sldId id="257" r:id="rId15"/>
-    <p:sldId id="259" r:id="rId16"/>
-    <p:sldId id="260" r:id="rId17"/>
-    <p:sldId id="261" r:id="rId18"/>
-    <p:sldId id="262" r:id="rId19"/>
-    <p:sldId id="263" r:id="rId20"/>
-    <p:sldId id="264" r:id="rId21"/>
+    <p:sldId id="276" r:id="rId4"/>
+    <p:sldId id="277" r:id="rId5"/>
+    <p:sldId id="266" r:id="rId6"/>
+    <p:sldId id="267" r:id="rId7"/>
+    <p:sldId id="268" r:id="rId8"/>
+    <p:sldId id="269" r:id="rId9"/>
+    <p:sldId id="270" r:id="rId10"/>
+    <p:sldId id="271" r:id="rId11"/>
+    <p:sldId id="272" r:id="rId12"/>
+    <p:sldId id="273" r:id="rId13"/>
+    <p:sldId id="274" r:id="rId14"/>
+    <p:sldId id="258" r:id="rId15"/>
+    <p:sldId id="256" r:id="rId16"/>
+    <p:sldId id="257" r:id="rId17"/>
+    <p:sldId id="259" r:id="rId18"/>
+    <p:sldId id="260" r:id="rId19"/>
+    <p:sldId id="261" r:id="rId20"/>
+    <p:sldId id="262" r:id="rId21"/>
+    <p:sldId id="263" r:id="rId22"/>
+    <p:sldId id="264" r:id="rId23"/>
   </p:sldIdLst>
   <p:sldSz cx="12192000" cy="6858000"/>
   <p:notesSz cx="6858000" cy="9144000"/>
@@ -130,6 +132,8 @@
           <p14:sldIdLst>
             <p14:sldId id="275"/>
             <p14:sldId id="265"/>
+            <p14:sldId id="276"/>
+            <p14:sldId id="277"/>
           </p14:sldIdLst>
         </p14:section>
         <p14:section name="train/validation" id="{EEDF7308-16CD-4277-97B4-A1B833A452AF}">
@@ -159,6 +163,9 @@
           </p14:sldIdLst>
         </p14:section>
       </p14:sectionLst>
+    </p:ext>
+    <p:ext uri="{EFAFB233-063F-42B5-8137-9DF3F51BA10A}">
+      <p15:sldGuideLst xmlns:p15="http://schemas.microsoft.com/office/powerpoint/2012/main"/>
     </p:ext>
   </p:extLst>
 </p:presentation>
@@ -3488,6 +3495,210 @@
         <p:cNvPr id="1" name="">
           <a:extLst>
             <a:ext uri="{FF2B5EF4-FFF2-40B4-BE49-F238E27FC236}">
+              <a16:creationId xmlns:a16="http://schemas.microsoft.com/office/drawing/2014/main" id="{235E1290-8A20-C1E1-302E-16DC3892271E}"/>
+            </a:ext>
+          </a:extLst>
+        </p:cNvPr>
+        <p:cNvGrpSpPr/>
+        <p:nvPr/>
+      </p:nvGrpSpPr>
+      <p:grpSpPr>
+        <a:xfrm>
+          <a:off x="0" y="0"/>
+          <a:ext cx="0" cy="0"/>
+          <a:chOff x="0" y="0"/>
+          <a:chExt cx="0" cy="0"/>
+        </a:xfrm>
+      </p:grpSpPr>
+      <p:sp>
+        <p:nvSpPr>
+          <p:cNvPr id="7" name="TextBox 6">
+            <a:extLst>
+              <a:ext uri="{FF2B5EF4-FFF2-40B4-BE49-F238E27FC236}">
+                <a16:creationId xmlns:a16="http://schemas.microsoft.com/office/drawing/2014/main" id="{2074D2AC-6144-03D1-B82D-868C44CB3FBB}"/>
+              </a:ext>
+            </a:extLst>
+          </p:cNvPr>
+          <p:cNvSpPr txBox="1"/>
+          <p:nvPr/>
+        </p:nvSpPr>
+        <p:spPr>
+          <a:xfrm>
+            <a:off x="1548882" y="1059024"/>
+            <a:ext cx="752129" cy="369332"/>
+          </a:xfrm>
+          <a:prstGeom prst="rect">
+            <a:avLst/>
+          </a:prstGeom>
+          <a:noFill/>
+        </p:spPr>
+        <p:txBody>
+          <a:bodyPr wrap="none" rtlCol="0">
+            <a:spAutoFit/>
+          </a:bodyPr>
+          <a:lstStyle/>
+          <a:p>
+            <a:r>
+              <a:rPr lang="en-US" altLang="ko-KR" dirty="0"/>
+              <a:t>Lasso</a:t>
+            </a:r>
+            <a:endParaRPr lang="ko-KR" altLang="en-US" dirty="0"/>
+          </a:p>
+        </p:txBody>
+      </p:sp>
+      <p:pic>
+        <p:nvPicPr>
+          <p:cNvPr id="4" name="그림 3">
+            <a:extLst>
+              <a:ext uri="{FF2B5EF4-FFF2-40B4-BE49-F238E27FC236}">
+                <a16:creationId xmlns:a16="http://schemas.microsoft.com/office/drawing/2014/main" id="{C48C6719-1188-31BA-E31D-370219E3B7A7}"/>
+              </a:ext>
+            </a:extLst>
+          </p:cNvPr>
+          <p:cNvPicPr>
+            <a:picLocks noChangeAspect="1"/>
+          </p:cNvPicPr>
+          <p:nvPr/>
+        </p:nvPicPr>
+        <p:blipFill>
+          <a:blip r:embed="rId2"/>
+          <a:stretch>
+            <a:fillRect/>
+          </a:stretch>
+        </p:blipFill>
+        <p:spPr>
+          <a:xfrm>
+            <a:off x="1919287" y="1924050"/>
+            <a:ext cx="8353425" cy="3009900"/>
+          </a:xfrm>
+          <a:prstGeom prst="rect">
+            <a:avLst/>
+          </a:prstGeom>
+        </p:spPr>
+      </p:pic>
+    </p:spTree>
+    <p:extLst>
+      <p:ext uri="{BB962C8B-B14F-4D97-AF65-F5344CB8AC3E}">
+        <p14:creationId xmlns:p14="http://schemas.microsoft.com/office/powerpoint/2010/main" val="2123734799"/>
+      </p:ext>
+    </p:extLst>
+  </p:cSld>
+  <p:clrMapOvr>
+    <a:masterClrMapping/>
+  </p:clrMapOvr>
+</p:sld>
+</file>
+
+<file path=ppt/slides/slide11.xml><?xml version="1.0" encoding="utf-8"?>
+<p:sld xmlns:a="http://schemas.openxmlformats.org/drawingml/2006/main" xmlns:r="http://schemas.openxmlformats.org/officeDocument/2006/relationships" xmlns:p="http://schemas.openxmlformats.org/presentationml/2006/main">
+  <p:cSld>
+    <p:spTree>
+      <p:nvGrpSpPr>
+        <p:cNvPr id="1" name="">
+          <a:extLst>
+            <a:ext uri="{FF2B5EF4-FFF2-40B4-BE49-F238E27FC236}">
+              <a16:creationId xmlns:a16="http://schemas.microsoft.com/office/drawing/2014/main" id="{6084EEB5-6D1D-49F2-FB76-1E91C03A47E4}"/>
+            </a:ext>
+          </a:extLst>
+        </p:cNvPr>
+        <p:cNvGrpSpPr/>
+        <p:nvPr/>
+      </p:nvGrpSpPr>
+      <p:grpSpPr>
+        <a:xfrm>
+          <a:off x="0" y="0"/>
+          <a:ext cx="0" cy="0"/>
+          <a:chOff x="0" y="0"/>
+          <a:chExt cx="0" cy="0"/>
+        </a:xfrm>
+      </p:grpSpPr>
+      <p:sp>
+        <p:nvSpPr>
+          <p:cNvPr id="7" name="TextBox 6">
+            <a:extLst>
+              <a:ext uri="{FF2B5EF4-FFF2-40B4-BE49-F238E27FC236}">
+                <a16:creationId xmlns:a16="http://schemas.microsoft.com/office/drawing/2014/main" id="{FFE9DD85-305D-2827-75FB-49913F75B643}"/>
+              </a:ext>
+            </a:extLst>
+          </p:cNvPr>
+          <p:cNvSpPr txBox="1"/>
+          <p:nvPr/>
+        </p:nvSpPr>
+        <p:spPr>
+          <a:xfrm>
+            <a:off x="1548882" y="1059024"/>
+            <a:ext cx="1551963" cy="369332"/>
+          </a:xfrm>
+          <a:prstGeom prst="rect">
+            <a:avLst/>
+          </a:prstGeom>
+          <a:noFill/>
+        </p:spPr>
+        <p:txBody>
+          <a:bodyPr wrap="none" rtlCol="0">
+            <a:spAutoFit/>
+          </a:bodyPr>
+          <a:lstStyle/>
+          <a:p>
+            <a:r>
+              <a:rPr lang="en-US" altLang="ko-KR" dirty="0"/>
+              <a:t>Decision tree</a:t>
+            </a:r>
+            <a:endParaRPr lang="ko-KR" altLang="en-US" dirty="0"/>
+          </a:p>
+        </p:txBody>
+      </p:sp>
+      <p:pic>
+        <p:nvPicPr>
+          <p:cNvPr id="4" name="그림 3">
+            <a:extLst>
+              <a:ext uri="{FF2B5EF4-FFF2-40B4-BE49-F238E27FC236}">
+                <a16:creationId xmlns:a16="http://schemas.microsoft.com/office/drawing/2014/main" id="{82E43487-0D73-57B8-6874-6DE2FF0E9D30}"/>
+              </a:ext>
+            </a:extLst>
+          </p:cNvPr>
+          <p:cNvPicPr>
+            <a:picLocks noChangeAspect="1"/>
+          </p:cNvPicPr>
+          <p:nvPr/>
+        </p:nvPicPr>
+        <p:blipFill>
+          <a:blip r:embed="rId2"/>
+          <a:stretch>
+            <a:fillRect/>
+          </a:stretch>
+        </p:blipFill>
+        <p:spPr>
+          <a:xfrm>
+            <a:off x="1919287" y="1924050"/>
+            <a:ext cx="8353425" cy="3009900"/>
+          </a:xfrm>
+          <a:prstGeom prst="rect">
+            <a:avLst/>
+          </a:prstGeom>
+        </p:spPr>
+      </p:pic>
+    </p:spTree>
+    <p:extLst>
+      <p:ext uri="{BB962C8B-B14F-4D97-AF65-F5344CB8AC3E}">
+        <p14:creationId xmlns:p14="http://schemas.microsoft.com/office/powerpoint/2010/main" val="3803425844"/>
+      </p:ext>
+    </p:extLst>
+  </p:cSld>
+  <p:clrMapOvr>
+    <a:masterClrMapping/>
+  </p:clrMapOvr>
+</p:sld>
+</file>
+
+<file path=ppt/slides/slide12.xml><?xml version="1.0" encoding="utf-8"?>
+<p:sld xmlns:a="http://schemas.openxmlformats.org/drawingml/2006/main" xmlns:r="http://schemas.openxmlformats.org/officeDocument/2006/relationships" xmlns:p="http://schemas.openxmlformats.org/presentationml/2006/main">
+  <p:cSld>
+    <p:spTree>
+      <p:nvGrpSpPr>
+        <p:cNvPr id="1" name="">
+          <a:extLst>
+            <a:ext uri="{FF2B5EF4-FFF2-40B4-BE49-F238E27FC236}">
               <a16:creationId xmlns:a16="http://schemas.microsoft.com/office/drawing/2014/main" id="{06858CB9-51C7-E46A-475B-6E45D0FD373C}"/>
             </a:ext>
           </a:extLst>
@@ -3582,7 +3793,7 @@
 </p:sld>
 </file>
 
-<file path=ppt/slides/slide11.xml><?xml version="1.0" encoding="utf-8"?>
+<file path=ppt/slides/slide13.xml><?xml version="1.0" encoding="utf-8"?>
 <p:sld xmlns:a="http://schemas.openxmlformats.org/drawingml/2006/main" xmlns:r="http://schemas.openxmlformats.org/officeDocument/2006/relationships" xmlns:p="http://schemas.openxmlformats.org/presentationml/2006/main">
   <p:cSld>
     <p:spTree>
@@ -3684,7 +3895,7 @@
 </p:sld>
 </file>
 
-<file path=ppt/slides/slide12.xml><?xml version="1.0" encoding="utf-8"?>
+<file path=ppt/slides/slide14.xml><?xml version="1.0" encoding="utf-8"?>
 <p:sld xmlns:a="http://schemas.openxmlformats.org/drawingml/2006/main" xmlns:r="http://schemas.openxmlformats.org/officeDocument/2006/relationships" xmlns:p="http://schemas.openxmlformats.org/presentationml/2006/main">
   <p:cSld>
     <p:spTree>
@@ -3786,7 +3997,7 @@
 </p:sld>
 </file>
 
-<file path=ppt/slides/slide13.xml><?xml version="1.0" encoding="utf-8"?>
+<file path=ppt/slides/slide15.xml><?xml version="1.0" encoding="utf-8"?>
 <p:sld xmlns:a="http://schemas.openxmlformats.org/drawingml/2006/main" xmlns:r="http://schemas.openxmlformats.org/officeDocument/2006/relationships" xmlns:p="http://schemas.openxmlformats.org/presentationml/2006/main">
   <p:cSld>
     <p:spTree>
@@ -3882,7 +4093,7 @@
 </p:sld>
 </file>
 
-<file path=ppt/slides/slide14.xml><?xml version="1.0" encoding="utf-8"?>
+<file path=ppt/slides/slide16.xml><?xml version="1.0" encoding="utf-8"?>
 <p:sld xmlns:a="http://schemas.openxmlformats.org/drawingml/2006/main" xmlns:r="http://schemas.openxmlformats.org/officeDocument/2006/relationships" xmlns:p="http://schemas.openxmlformats.org/presentationml/2006/main">
   <p:cSld>
     <p:spTree>
@@ -4008,7 +4219,7 @@
 </p:sld>
 </file>
 
-<file path=ppt/slides/slide15.xml><?xml version="1.0" encoding="utf-8"?>
+<file path=ppt/slides/slide17.xml><?xml version="1.0" encoding="utf-8"?>
 <p:sld xmlns:a="http://schemas.openxmlformats.org/drawingml/2006/main" xmlns:r="http://schemas.openxmlformats.org/officeDocument/2006/relationships" xmlns:p="http://schemas.openxmlformats.org/presentationml/2006/main">
   <p:cSld>
     <p:spTree>
@@ -4170,7 +4381,7 @@
 </p:sld>
 </file>
 
-<file path=ppt/slides/slide16.xml><?xml version="1.0" encoding="utf-8"?>
+<file path=ppt/slides/slide18.xml><?xml version="1.0" encoding="utf-8"?>
 <p:sld xmlns:a="http://schemas.openxmlformats.org/drawingml/2006/main" xmlns:r="http://schemas.openxmlformats.org/officeDocument/2006/relationships" xmlns:p="http://schemas.openxmlformats.org/presentationml/2006/main">
   <p:cSld>
     <p:spTree>
@@ -4272,7 +4483,7 @@
 </p:sld>
 </file>
 
-<file path=ppt/slides/slide17.xml><?xml version="1.0" encoding="utf-8"?>
+<file path=ppt/slides/slide19.xml><?xml version="1.0" encoding="utf-8"?>
 <p:sld xmlns:a="http://schemas.openxmlformats.org/drawingml/2006/main" xmlns:r="http://schemas.openxmlformats.org/officeDocument/2006/relationships" xmlns:p="http://schemas.openxmlformats.org/presentationml/2006/main">
   <p:cSld>
     <p:spTree>
@@ -4365,240 +4576,6 @@
     <p:extLst>
       <p:ext uri="{BB962C8B-B14F-4D97-AF65-F5344CB8AC3E}">
         <p14:creationId xmlns:p14="http://schemas.microsoft.com/office/powerpoint/2010/main" val="460303900"/>
-      </p:ext>
-    </p:extLst>
-  </p:cSld>
-  <p:clrMapOvr>
-    <a:masterClrMapping/>
-  </p:clrMapOvr>
-</p:sld>
-</file>
-
-<file path=ppt/slides/slide18.xml><?xml version="1.0" encoding="utf-8"?>
-<p:sld xmlns:a="http://schemas.openxmlformats.org/drawingml/2006/main" xmlns:r="http://schemas.openxmlformats.org/officeDocument/2006/relationships" xmlns:p="http://schemas.openxmlformats.org/presentationml/2006/main">
-  <p:cSld>
-    <p:spTree>
-      <p:nvGrpSpPr>
-        <p:cNvPr id="1" name="">
-          <a:extLst>
-            <a:ext uri="{FF2B5EF4-FFF2-40B4-BE49-F238E27FC236}">
-              <a16:creationId xmlns:a16="http://schemas.microsoft.com/office/drawing/2014/main" id="{7DA673B9-C099-EFE3-7436-0073A11C181D}"/>
-            </a:ext>
-          </a:extLst>
-        </p:cNvPr>
-        <p:cNvGrpSpPr/>
-        <p:nvPr/>
-      </p:nvGrpSpPr>
-      <p:grpSpPr>
-        <a:xfrm>
-          <a:off x="0" y="0"/>
-          <a:ext cx="0" cy="0"/>
-          <a:chOff x="0" y="0"/>
-          <a:chExt cx="0" cy="0"/>
-        </a:xfrm>
-      </p:grpSpPr>
-      <p:sp>
-        <p:nvSpPr>
-          <p:cNvPr id="7" name="TextBox 6">
-            <a:extLst>
-              <a:ext uri="{FF2B5EF4-FFF2-40B4-BE49-F238E27FC236}">
-                <a16:creationId xmlns:a16="http://schemas.microsoft.com/office/drawing/2014/main" id="{337C4C17-0299-B181-83D8-5BF1DBF0A8E8}"/>
-              </a:ext>
-            </a:extLst>
-          </p:cNvPr>
-          <p:cNvSpPr txBox="1"/>
-          <p:nvPr/>
-        </p:nvSpPr>
-        <p:spPr>
-          <a:xfrm>
-            <a:off x="1548882" y="1059024"/>
-            <a:ext cx="1551963" cy="369332"/>
-          </a:xfrm>
-          <a:prstGeom prst="rect">
-            <a:avLst/>
-          </a:prstGeom>
-          <a:noFill/>
-        </p:spPr>
-        <p:txBody>
-          <a:bodyPr wrap="none" rtlCol="0">
-            <a:spAutoFit/>
-          </a:bodyPr>
-          <a:lstStyle/>
-          <a:p>
-            <a:r>
-              <a:rPr lang="en-US" altLang="ko-KR" dirty="0"/>
-              <a:t>Decision tree</a:t>
-            </a:r>
-            <a:endParaRPr lang="ko-KR" altLang="en-US" dirty="0"/>
-          </a:p>
-        </p:txBody>
-      </p:sp>
-      <p:pic>
-        <p:nvPicPr>
-          <p:cNvPr id="3" name="그림 2">
-            <a:extLst>
-              <a:ext uri="{FF2B5EF4-FFF2-40B4-BE49-F238E27FC236}">
-                <a16:creationId xmlns:a16="http://schemas.microsoft.com/office/drawing/2014/main" id="{E3A53F36-9BB8-9C96-2C23-4F78B296A692}"/>
-              </a:ext>
-            </a:extLst>
-          </p:cNvPr>
-          <p:cNvPicPr>
-            <a:picLocks noChangeAspect="1"/>
-          </p:cNvPicPr>
-          <p:nvPr/>
-        </p:nvPicPr>
-        <p:blipFill>
-          <a:blip r:embed="rId2"/>
-          <a:stretch>
-            <a:fillRect/>
-          </a:stretch>
-        </p:blipFill>
-        <p:spPr>
-          <a:xfrm>
-            <a:off x="2047875" y="1924050"/>
-            <a:ext cx="8096250" cy="3009900"/>
-          </a:xfrm>
-          <a:prstGeom prst="rect">
-            <a:avLst/>
-          </a:prstGeom>
-        </p:spPr>
-      </p:pic>
-    </p:spTree>
-    <p:extLst>
-      <p:ext uri="{BB962C8B-B14F-4D97-AF65-F5344CB8AC3E}">
-        <p14:creationId xmlns:p14="http://schemas.microsoft.com/office/powerpoint/2010/main" val="443372019"/>
-      </p:ext>
-    </p:extLst>
-  </p:cSld>
-  <p:clrMapOvr>
-    <a:masterClrMapping/>
-  </p:clrMapOvr>
-</p:sld>
-</file>
-
-<file path=ppt/slides/slide19.xml><?xml version="1.0" encoding="utf-8"?>
-<p:sld xmlns:a="http://schemas.openxmlformats.org/drawingml/2006/main" xmlns:r="http://schemas.openxmlformats.org/officeDocument/2006/relationships" xmlns:p="http://schemas.openxmlformats.org/presentationml/2006/main">
-  <p:cSld>
-    <p:spTree>
-      <p:nvGrpSpPr>
-        <p:cNvPr id="1" name="">
-          <a:extLst>
-            <a:ext uri="{FF2B5EF4-FFF2-40B4-BE49-F238E27FC236}">
-              <a16:creationId xmlns:a16="http://schemas.microsoft.com/office/drawing/2014/main" id="{553844B2-DC8F-68EE-76D7-FECB02359B88}"/>
-            </a:ext>
-          </a:extLst>
-        </p:cNvPr>
-        <p:cNvGrpSpPr/>
-        <p:nvPr/>
-      </p:nvGrpSpPr>
-      <p:grpSpPr>
-        <a:xfrm>
-          <a:off x="0" y="0"/>
-          <a:ext cx="0" cy="0"/>
-          <a:chOff x="0" y="0"/>
-          <a:chExt cx="0" cy="0"/>
-        </a:xfrm>
-      </p:grpSpPr>
-      <p:sp>
-        <p:nvSpPr>
-          <p:cNvPr id="7" name="TextBox 6">
-            <a:extLst>
-              <a:ext uri="{FF2B5EF4-FFF2-40B4-BE49-F238E27FC236}">
-                <a16:creationId xmlns:a16="http://schemas.microsoft.com/office/drawing/2014/main" id="{37FC7020-7022-0B86-6EA6-EDED1ED90016}"/>
-              </a:ext>
-            </a:extLst>
-          </p:cNvPr>
-          <p:cNvSpPr txBox="1"/>
-          <p:nvPr/>
-        </p:nvSpPr>
-        <p:spPr>
-          <a:xfrm>
-            <a:off x="1548882" y="1059024"/>
-            <a:ext cx="1734706" cy="369332"/>
-          </a:xfrm>
-          <a:prstGeom prst="rect">
-            <a:avLst/>
-          </a:prstGeom>
-          <a:noFill/>
-        </p:spPr>
-        <p:txBody>
-          <a:bodyPr wrap="none" rtlCol="0">
-            <a:spAutoFit/>
-          </a:bodyPr>
-          <a:lstStyle/>
-          <a:p>
-            <a:r>
-              <a:rPr lang="en-US" altLang="ko-KR" dirty="0"/>
-              <a:t>Random forest</a:t>
-            </a:r>
-            <a:endParaRPr lang="ko-KR" altLang="en-US" dirty="0"/>
-          </a:p>
-        </p:txBody>
-      </p:sp>
-      <p:pic>
-        <p:nvPicPr>
-          <p:cNvPr id="3" name="그림 2">
-            <a:extLst>
-              <a:ext uri="{FF2B5EF4-FFF2-40B4-BE49-F238E27FC236}">
-                <a16:creationId xmlns:a16="http://schemas.microsoft.com/office/drawing/2014/main" id="{71E49DC1-E370-3D60-669B-82F2983EEE90}"/>
-              </a:ext>
-            </a:extLst>
-          </p:cNvPr>
-          <p:cNvPicPr>
-            <a:picLocks noChangeAspect="1"/>
-          </p:cNvPicPr>
-          <p:nvPr/>
-        </p:nvPicPr>
-        <p:blipFill>
-          <a:blip r:embed="rId2"/>
-          <a:stretch>
-            <a:fillRect/>
-          </a:stretch>
-        </p:blipFill>
-        <p:spPr>
-          <a:xfrm>
-            <a:off x="1919287" y="1924050"/>
-            <a:ext cx="8353425" cy="3009900"/>
-          </a:xfrm>
-          <a:prstGeom prst="rect">
-            <a:avLst/>
-          </a:prstGeom>
-        </p:spPr>
-      </p:pic>
-      <p:pic>
-        <p:nvPicPr>
-          <p:cNvPr id="5" name="그림 4">
-            <a:extLst>
-              <a:ext uri="{FF2B5EF4-FFF2-40B4-BE49-F238E27FC236}">
-                <a16:creationId xmlns:a16="http://schemas.microsoft.com/office/drawing/2014/main" id="{236B2334-DE31-15F3-4E2E-24E3DEE71103}"/>
-              </a:ext>
-            </a:extLst>
-          </p:cNvPr>
-          <p:cNvPicPr>
-            <a:picLocks noChangeAspect="1"/>
-          </p:cNvPicPr>
-          <p:nvPr/>
-        </p:nvPicPr>
-        <p:blipFill>
-          <a:blip r:embed="rId3"/>
-          <a:stretch>
-            <a:fillRect/>
-          </a:stretch>
-        </p:blipFill>
-        <p:spPr>
-          <a:xfrm>
-            <a:off x="2047875" y="1924050"/>
-            <a:ext cx="8096250" cy="3009900"/>
-          </a:xfrm>
-          <a:prstGeom prst="rect">
-            <a:avLst/>
-          </a:prstGeom>
-        </p:spPr>
-      </p:pic>
-    </p:spTree>
-    <p:extLst>
-      <p:ext uri="{BB962C8B-B14F-4D97-AF65-F5344CB8AC3E}">
-        <p14:creationId xmlns:p14="http://schemas.microsoft.com/office/powerpoint/2010/main" val="414033461"/>
       </p:ext>
     </p:extLst>
   </p:cSld>
@@ -4710,6 +4687,240 @@
         <p:cNvPr id="1" name="">
           <a:extLst>
             <a:ext uri="{FF2B5EF4-FFF2-40B4-BE49-F238E27FC236}">
+              <a16:creationId xmlns:a16="http://schemas.microsoft.com/office/drawing/2014/main" id="{7DA673B9-C099-EFE3-7436-0073A11C181D}"/>
+            </a:ext>
+          </a:extLst>
+        </p:cNvPr>
+        <p:cNvGrpSpPr/>
+        <p:nvPr/>
+      </p:nvGrpSpPr>
+      <p:grpSpPr>
+        <a:xfrm>
+          <a:off x="0" y="0"/>
+          <a:ext cx="0" cy="0"/>
+          <a:chOff x="0" y="0"/>
+          <a:chExt cx="0" cy="0"/>
+        </a:xfrm>
+      </p:grpSpPr>
+      <p:sp>
+        <p:nvSpPr>
+          <p:cNvPr id="7" name="TextBox 6">
+            <a:extLst>
+              <a:ext uri="{FF2B5EF4-FFF2-40B4-BE49-F238E27FC236}">
+                <a16:creationId xmlns:a16="http://schemas.microsoft.com/office/drawing/2014/main" id="{337C4C17-0299-B181-83D8-5BF1DBF0A8E8}"/>
+              </a:ext>
+            </a:extLst>
+          </p:cNvPr>
+          <p:cNvSpPr txBox="1"/>
+          <p:nvPr/>
+        </p:nvSpPr>
+        <p:spPr>
+          <a:xfrm>
+            <a:off x="1548882" y="1059024"/>
+            <a:ext cx="1551963" cy="369332"/>
+          </a:xfrm>
+          <a:prstGeom prst="rect">
+            <a:avLst/>
+          </a:prstGeom>
+          <a:noFill/>
+        </p:spPr>
+        <p:txBody>
+          <a:bodyPr wrap="none" rtlCol="0">
+            <a:spAutoFit/>
+          </a:bodyPr>
+          <a:lstStyle/>
+          <a:p>
+            <a:r>
+              <a:rPr lang="en-US" altLang="ko-KR" dirty="0"/>
+              <a:t>Decision tree</a:t>
+            </a:r>
+            <a:endParaRPr lang="ko-KR" altLang="en-US" dirty="0"/>
+          </a:p>
+        </p:txBody>
+      </p:sp>
+      <p:pic>
+        <p:nvPicPr>
+          <p:cNvPr id="3" name="그림 2">
+            <a:extLst>
+              <a:ext uri="{FF2B5EF4-FFF2-40B4-BE49-F238E27FC236}">
+                <a16:creationId xmlns:a16="http://schemas.microsoft.com/office/drawing/2014/main" id="{E3A53F36-9BB8-9C96-2C23-4F78B296A692}"/>
+              </a:ext>
+            </a:extLst>
+          </p:cNvPr>
+          <p:cNvPicPr>
+            <a:picLocks noChangeAspect="1"/>
+          </p:cNvPicPr>
+          <p:nvPr/>
+        </p:nvPicPr>
+        <p:blipFill>
+          <a:blip r:embed="rId2"/>
+          <a:stretch>
+            <a:fillRect/>
+          </a:stretch>
+        </p:blipFill>
+        <p:spPr>
+          <a:xfrm>
+            <a:off x="2047875" y="1924050"/>
+            <a:ext cx="8096250" cy="3009900"/>
+          </a:xfrm>
+          <a:prstGeom prst="rect">
+            <a:avLst/>
+          </a:prstGeom>
+        </p:spPr>
+      </p:pic>
+    </p:spTree>
+    <p:extLst>
+      <p:ext uri="{BB962C8B-B14F-4D97-AF65-F5344CB8AC3E}">
+        <p14:creationId xmlns:p14="http://schemas.microsoft.com/office/powerpoint/2010/main" val="443372019"/>
+      </p:ext>
+    </p:extLst>
+  </p:cSld>
+  <p:clrMapOvr>
+    <a:masterClrMapping/>
+  </p:clrMapOvr>
+</p:sld>
+</file>
+
+<file path=ppt/slides/slide21.xml><?xml version="1.0" encoding="utf-8"?>
+<p:sld xmlns:a="http://schemas.openxmlformats.org/drawingml/2006/main" xmlns:r="http://schemas.openxmlformats.org/officeDocument/2006/relationships" xmlns:p="http://schemas.openxmlformats.org/presentationml/2006/main">
+  <p:cSld>
+    <p:spTree>
+      <p:nvGrpSpPr>
+        <p:cNvPr id="1" name="">
+          <a:extLst>
+            <a:ext uri="{FF2B5EF4-FFF2-40B4-BE49-F238E27FC236}">
+              <a16:creationId xmlns:a16="http://schemas.microsoft.com/office/drawing/2014/main" id="{553844B2-DC8F-68EE-76D7-FECB02359B88}"/>
+            </a:ext>
+          </a:extLst>
+        </p:cNvPr>
+        <p:cNvGrpSpPr/>
+        <p:nvPr/>
+      </p:nvGrpSpPr>
+      <p:grpSpPr>
+        <a:xfrm>
+          <a:off x="0" y="0"/>
+          <a:ext cx="0" cy="0"/>
+          <a:chOff x="0" y="0"/>
+          <a:chExt cx="0" cy="0"/>
+        </a:xfrm>
+      </p:grpSpPr>
+      <p:sp>
+        <p:nvSpPr>
+          <p:cNvPr id="7" name="TextBox 6">
+            <a:extLst>
+              <a:ext uri="{FF2B5EF4-FFF2-40B4-BE49-F238E27FC236}">
+                <a16:creationId xmlns:a16="http://schemas.microsoft.com/office/drawing/2014/main" id="{37FC7020-7022-0B86-6EA6-EDED1ED90016}"/>
+              </a:ext>
+            </a:extLst>
+          </p:cNvPr>
+          <p:cNvSpPr txBox="1"/>
+          <p:nvPr/>
+        </p:nvSpPr>
+        <p:spPr>
+          <a:xfrm>
+            <a:off x="1548882" y="1059024"/>
+            <a:ext cx="1734706" cy="369332"/>
+          </a:xfrm>
+          <a:prstGeom prst="rect">
+            <a:avLst/>
+          </a:prstGeom>
+          <a:noFill/>
+        </p:spPr>
+        <p:txBody>
+          <a:bodyPr wrap="none" rtlCol="0">
+            <a:spAutoFit/>
+          </a:bodyPr>
+          <a:lstStyle/>
+          <a:p>
+            <a:r>
+              <a:rPr lang="en-US" altLang="ko-KR" dirty="0"/>
+              <a:t>Random forest</a:t>
+            </a:r>
+            <a:endParaRPr lang="ko-KR" altLang="en-US" dirty="0"/>
+          </a:p>
+        </p:txBody>
+      </p:sp>
+      <p:pic>
+        <p:nvPicPr>
+          <p:cNvPr id="3" name="그림 2">
+            <a:extLst>
+              <a:ext uri="{FF2B5EF4-FFF2-40B4-BE49-F238E27FC236}">
+                <a16:creationId xmlns:a16="http://schemas.microsoft.com/office/drawing/2014/main" id="{71E49DC1-E370-3D60-669B-82F2983EEE90}"/>
+              </a:ext>
+            </a:extLst>
+          </p:cNvPr>
+          <p:cNvPicPr>
+            <a:picLocks noChangeAspect="1"/>
+          </p:cNvPicPr>
+          <p:nvPr/>
+        </p:nvPicPr>
+        <p:blipFill>
+          <a:blip r:embed="rId2"/>
+          <a:stretch>
+            <a:fillRect/>
+          </a:stretch>
+        </p:blipFill>
+        <p:spPr>
+          <a:xfrm>
+            <a:off x="1919287" y="1924050"/>
+            <a:ext cx="8353425" cy="3009900"/>
+          </a:xfrm>
+          <a:prstGeom prst="rect">
+            <a:avLst/>
+          </a:prstGeom>
+        </p:spPr>
+      </p:pic>
+      <p:pic>
+        <p:nvPicPr>
+          <p:cNvPr id="5" name="그림 4">
+            <a:extLst>
+              <a:ext uri="{FF2B5EF4-FFF2-40B4-BE49-F238E27FC236}">
+                <a16:creationId xmlns:a16="http://schemas.microsoft.com/office/drawing/2014/main" id="{236B2334-DE31-15F3-4E2E-24E3DEE71103}"/>
+              </a:ext>
+            </a:extLst>
+          </p:cNvPr>
+          <p:cNvPicPr>
+            <a:picLocks noChangeAspect="1"/>
+          </p:cNvPicPr>
+          <p:nvPr/>
+        </p:nvPicPr>
+        <p:blipFill>
+          <a:blip r:embed="rId3"/>
+          <a:stretch>
+            <a:fillRect/>
+          </a:stretch>
+        </p:blipFill>
+        <p:spPr>
+          <a:xfrm>
+            <a:off x="2047875" y="1924050"/>
+            <a:ext cx="8096250" cy="3009900"/>
+          </a:xfrm>
+          <a:prstGeom prst="rect">
+            <a:avLst/>
+          </a:prstGeom>
+        </p:spPr>
+      </p:pic>
+    </p:spTree>
+    <p:extLst>
+      <p:ext uri="{BB962C8B-B14F-4D97-AF65-F5344CB8AC3E}">
+        <p14:creationId xmlns:p14="http://schemas.microsoft.com/office/powerpoint/2010/main" val="414033461"/>
+      </p:ext>
+    </p:extLst>
+  </p:cSld>
+  <p:clrMapOvr>
+    <a:masterClrMapping/>
+  </p:clrMapOvr>
+</p:sld>
+</file>
+
+<file path=ppt/slides/slide22.xml><?xml version="1.0" encoding="utf-8"?>
+<p:sld xmlns:a="http://schemas.openxmlformats.org/drawingml/2006/main" xmlns:r="http://schemas.openxmlformats.org/officeDocument/2006/relationships" xmlns:p="http://schemas.openxmlformats.org/presentationml/2006/main">
+  <p:cSld>
+    <p:spTree>
+      <p:nvGrpSpPr>
+        <p:cNvPr id="1" name="">
+          <a:extLst>
+            <a:ext uri="{FF2B5EF4-FFF2-40B4-BE49-F238E27FC236}">
               <a16:creationId xmlns:a16="http://schemas.microsoft.com/office/drawing/2014/main" id="{54A12ACE-7897-2D58-6833-CED2FC81D569}"/>
             </a:ext>
           </a:extLst>
@@ -4805,6 +5016,126 @@
 </file>
 
 <file path=ppt/slides/slide3.xml><?xml version="1.0" encoding="utf-8"?>
+<p:sld xmlns:a="http://schemas.openxmlformats.org/drawingml/2006/main" xmlns:r="http://schemas.openxmlformats.org/officeDocument/2006/relationships" xmlns:p="http://schemas.openxmlformats.org/presentationml/2006/main">
+  <p:cSld>
+    <p:spTree>
+      <p:nvGrpSpPr>
+        <p:cNvPr id="1" name=""/>
+        <p:cNvGrpSpPr/>
+        <p:nvPr/>
+      </p:nvGrpSpPr>
+      <p:grpSpPr>
+        <a:xfrm>
+          <a:off x="0" y="0"/>
+          <a:ext cx="0" cy="0"/>
+          <a:chOff x="0" y="0"/>
+          <a:chExt cx="0" cy="0"/>
+        </a:xfrm>
+      </p:grpSpPr>
+      <p:pic>
+        <p:nvPicPr>
+          <p:cNvPr id="5" name="그림 4">
+            <a:extLst>
+              <a:ext uri="{FF2B5EF4-FFF2-40B4-BE49-F238E27FC236}">
+                <a16:creationId xmlns:a16="http://schemas.microsoft.com/office/drawing/2014/main" id="{FCD8700B-FB02-26CC-3923-9B97A6E782A6}"/>
+              </a:ext>
+            </a:extLst>
+          </p:cNvPr>
+          <p:cNvPicPr>
+            <a:picLocks noChangeAspect="1"/>
+          </p:cNvPicPr>
+          <p:nvPr/>
+        </p:nvPicPr>
+        <p:blipFill>
+          <a:blip r:embed="rId2"/>
+          <a:stretch>
+            <a:fillRect/>
+          </a:stretch>
+        </p:blipFill>
+        <p:spPr>
+          <a:xfrm>
+            <a:off x="1385887" y="619125"/>
+            <a:ext cx="9420225" cy="5619750"/>
+          </a:xfrm>
+          <a:prstGeom prst="rect">
+            <a:avLst/>
+          </a:prstGeom>
+        </p:spPr>
+      </p:pic>
+    </p:spTree>
+    <p:extLst>
+      <p:ext uri="{BB962C8B-B14F-4D97-AF65-F5344CB8AC3E}">
+        <p14:creationId xmlns:p14="http://schemas.microsoft.com/office/powerpoint/2010/main" val="1512808975"/>
+      </p:ext>
+    </p:extLst>
+  </p:cSld>
+  <p:clrMapOvr>
+    <a:masterClrMapping/>
+  </p:clrMapOvr>
+</p:sld>
+</file>
+
+<file path=ppt/slides/slide4.xml><?xml version="1.0" encoding="utf-8"?>
+<p:sld xmlns:a="http://schemas.openxmlformats.org/drawingml/2006/main" xmlns:r="http://schemas.openxmlformats.org/officeDocument/2006/relationships" xmlns:p="http://schemas.openxmlformats.org/presentationml/2006/main">
+  <p:cSld>
+    <p:spTree>
+      <p:nvGrpSpPr>
+        <p:cNvPr id="1" name=""/>
+        <p:cNvGrpSpPr/>
+        <p:nvPr/>
+      </p:nvGrpSpPr>
+      <p:grpSpPr>
+        <a:xfrm>
+          <a:off x="0" y="0"/>
+          <a:ext cx="0" cy="0"/>
+          <a:chOff x="0" y="0"/>
+          <a:chExt cx="0" cy="0"/>
+        </a:xfrm>
+      </p:grpSpPr>
+      <p:pic>
+        <p:nvPicPr>
+          <p:cNvPr id="5" name="그림 4">
+            <a:extLst>
+              <a:ext uri="{FF2B5EF4-FFF2-40B4-BE49-F238E27FC236}">
+                <a16:creationId xmlns:a16="http://schemas.microsoft.com/office/drawing/2014/main" id="{51EC2D17-4533-9707-0182-82BEB8F36A19}"/>
+              </a:ext>
+            </a:extLst>
+          </p:cNvPr>
+          <p:cNvPicPr>
+            <a:picLocks noChangeAspect="1"/>
+          </p:cNvPicPr>
+          <p:nvPr/>
+        </p:nvPicPr>
+        <p:blipFill>
+          <a:blip r:embed="rId2"/>
+          <a:stretch>
+            <a:fillRect/>
+          </a:stretch>
+        </p:blipFill>
+        <p:spPr>
+          <a:xfrm>
+            <a:off x="1385887" y="619125"/>
+            <a:ext cx="9420225" cy="5619750"/>
+          </a:xfrm>
+          <a:prstGeom prst="rect">
+            <a:avLst/>
+          </a:prstGeom>
+        </p:spPr>
+      </p:pic>
+    </p:spTree>
+    <p:extLst>
+      <p:ext uri="{BB962C8B-B14F-4D97-AF65-F5344CB8AC3E}">
+        <p14:creationId xmlns:p14="http://schemas.microsoft.com/office/powerpoint/2010/main" val="1983070761"/>
+      </p:ext>
+    </p:extLst>
+  </p:cSld>
+  <p:clrMapOvr>
+    <a:masterClrMapping/>
+  </p:clrMapOvr>
+</p:sld>
+</file>
+
+<file path=ppt/slides/slide5.xml><?xml version="1.0" encoding="utf-8"?>
 <p:sld xmlns:a="http://schemas.openxmlformats.org/drawingml/2006/main" xmlns:r="http://schemas.openxmlformats.org/officeDocument/2006/relationships" xmlns:p="http://schemas.openxmlformats.org/presentationml/2006/main">
   <p:cSld>
     <p:spTree>
@@ -4906,7 +5237,7 @@
 </p:sld>
 </file>
 
-<file path=ppt/slides/slide4.xml><?xml version="1.0" encoding="utf-8"?>
+<file path=ppt/slides/slide6.xml><?xml version="1.0" encoding="utf-8"?>
 <p:sld xmlns:a="http://schemas.openxmlformats.org/drawingml/2006/main" xmlns:r="http://schemas.openxmlformats.org/officeDocument/2006/relationships" xmlns:p="http://schemas.openxmlformats.org/presentationml/2006/main">
   <p:cSld>
     <p:spTree>
@@ -5008,7 +5339,7 @@
 </p:sld>
 </file>
 
-<file path=ppt/slides/slide5.xml><?xml version="1.0" encoding="utf-8"?>
+<file path=ppt/slides/slide7.xml><?xml version="1.0" encoding="utf-8"?>
 <p:sld xmlns:a="http://schemas.openxmlformats.org/drawingml/2006/main" xmlns:r="http://schemas.openxmlformats.org/officeDocument/2006/relationships" xmlns:p="http://schemas.openxmlformats.org/presentationml/2006/main">
   <p:cSld>
     <p:spTree>
@@ -5110,7 +5441,7 @@
 </p:sld>
 </file>
 
-<file path=ppt/slides/slide6.xml><?xml version="1.0" encoding="utf-8"?>
+<file path=ppt/slides/slide8.xml><?xml version="1.0" encoding="utf-8"?>
 <p:sld xmlns:a="http://schemas.openxmlformats.org/drawingml/2006/main" xmlns:r="http://schemas.openxmlformats.org/officeDocument/2006/relationships" xmlns:p="http://schemas.openxmlformats.org/presentationml/2006/main">
   <p:cSld>
     <p:spTree>
@@ -5212,7 +5543,7 @@
 </p:sld>
 </file>
 
-<file path=ppt/slides/slide7.xml><?xml version="1.0" encoding="utf-8"?>
+<file path=ppt/slides/slide9.xml><?xml version="1.0" encoding="utf-8"?>
 <p:sld xmlns:a="http://schemas.openxmlformats.org/drawingml/2006/main" xmlns:r="http://schemas.openxmlformats.org/officeDocument/2006/relationships" xmlns:p="http://schemas.openxmlformats.org/presentationml/2006/main">
   <p:cSld>
     <p:spTree>
@@ -5305,210 +5636,6 @@
     <p:extLst>
       <p:ext uri="{BB962C8B-B14F-4D97-AF65-F5344CB8AC3E}">
         <p14:creationId xmlns:p14="http://schemas.microsoft.com/office/powerpoint/2010/main" val="1832759940"/>
-      </p:ext>
-    </p:extLst>
-  </p:cSld>
-  <p:clrMapOvr>
-    <a:masterClrMapping/>
-  </p:clrMapOvr>
-</p:sld>
-</file>
-
-<file path=ppt/slides/slide8.xml><?xml version="1.0" encoding="utf-8"?>
-<p:sld xmlns:a="http://schemas.openxmlformats.org/drawingml/2006/main" xmlns:r="http://schemas.openxmlformats.org/officeDocument/2006/relationships" xmlns:p="http://schemas.openxmlformats.org/presentationml/2006/main">
-  <p:cSld>
-    <p:spTree>
-      <p:nvGrpSpPr>
-        <p:cNvPr id="1" name="">
-          <a:extLst>
-            <a:ext uri="{FF2B5EF4-FFF2-40B4-BE49-F238E27FC236}">
-              <a16:creationId xmlns:a16="http://schemas.microsoft.com/office/drawing/2014/main" id="{235E1290-8A20-C1E1-302E-16DC3892271E}"/>
-            </a:ext>
-          </a:extLst>
-        </p:cNvPr>
-        <p:cNvGrpSpPr/>
-        <p:nvPr/>
-      </p:nvGrpSpPr>
-      <p:grpSpPr>
-        <a:xfrm>
-          <a:off x="0" y="0"/>
-          <a:ext cx="0" cy="0"/>
-          <a:chOff x="0" y="0"/>
-          <a:chExt cx="0" cy="0"/>
-        </a:xfrm>
-      </p:grpSpPr>
-      <p:sp>
-        <p:nvSpPr>
-          <p:cNvPr id="7" name="TextBox 6">
-            <a:extLst>
-              <a:ext uri="{FF2B5EF4-FFF2-40B4-BE49-F238E27FC236}">
-                <a16:creationId xmlns:a16="http://schemas.microsoft.com/office/drawing/2014/main" id="{2074D2AC-6144-03D1-B82D-868C44CB3FBB}"/>
-              </a:ext>
-            </a:extLst>
-          </p:cNvPr>
-          <p:cNvSpPr txBox="1"/>
-          <p:nvPr/>
-        </p:nvSpPr>
-        <p:spPr>
-          <a:xfrm>
-            <a:off x="1548882" y="1059024"/>
-            <a:ext cx="752129" cy="369332"/>
-          </a:xfrm>
-          <a:prstGeom prst="rect">
-            <a:avLst/>
-          </a:prstGeom>
-          <a:noFill/>
-        </p:spPr>
-        <p:txBody>
-          <a:bodyPr wrap="none" rtlCol="0">
-            <a:spAutoFit/>
-          </a:bodyPr>
-          <a:lstStyle/>
-          <a:p>
-            <a:r>
-              <a:rPr lang="en-US" altLang="ko-KR" dirty="0"/>
-              <a:t>Lasso</a:t>
-            </a:r>
-            <a:endParaRPr lang="ko-KR" altLang="en-US" dirty="0"/>
-          </a:p>
-        </p:txBody>
-      </p:sp>
-      <p:pic>
-        <p:nvPicPr>
-          <p:cNvPr id="4" name="그림 3">
-            <a:extLst>
-              <a:ext uri="{FF2B5EF4-FFF2-40B4-BE49-F238E27FC236}">
-                <a16:creationId xmlns:a16="http://schemas.microsoft.com/office/drawing/2014/main" id="{C48C6719-1188-31BA-E31D-370219E3B7A7}"/>
-              </a:ext>
-            </a:extLst>
-          </p:cNvPr>
-          <p:cNvPicPr>
-            <a:picLocks noChangeAspect="1"/>
-          </p:cNvPicPr>
-          <p:nvPr/>
-        </p:nvPicPr>
-        <p:blipFill>
-          <a:blip r:embed="rId2"/>
-          <a:stretch>
-            <a:fillRect/>
-          </a:stretch>
-        </p:blipFill>
-        <p:spPr>
-          <a:xfrm>
-            <a:off x="1919287" y="1924050"/>
-            <a:ext cx="8353425" cy="3009900"/>
-          </a:xfrm>
-          <a:prstGeom prst="rect">
-            <a:avLst/>
-          </a:prstGeom>
-        </p:spPr>
-      </p:pic>
-    </p:spTree>
-    <p:extLst>
-      <p:ext uri="{BB962C8B-B14F-4D97-AF65-F5344CB8AC3E}">
-        <p14:creationId xmlns:p14="http://schemas.microsoft.com/office/powerpoint/2010/main" val="2123734799"/>
-      </p:ext>
-    </p:extLst>
-  </p:cSld>
-  <p:clrMapOvr>
-    <a:masterClrMapping/>
-  </p:clrMapOvr>
-</p:sld>
-</file>
-
-<file path=ppt/slides/slide9.xml><?xml version="1.0" encoding="utf-8"?>
-<p:sld xmlns:a="http://schemas.openxmlformats.org/drawingml/2006/main" xmlns:r="http://schemas.openxmlformats.org/officeDocument/2006/relationships" xmlns:p="http://schemas.openxmlformats.org/presentationml/2006/main">
-  <p:cSld>
-    <p:spTree>
-      <p:nvGrpSpPr>
-        <p:cNvPr id="1" name="">
-          <a:extLst>
-            <a:ext uri="{FF2B5EF4-FFF2-40B4-BE49-F238E27FC236}">
-              <a16:creationId xmlns:a16="http://schemas.microsoft.com/office/drawing/2014/main" id="{6084EEB5-6D1D-49F2-FB76-1E91C03A47E4}"/>
-            </a:ext>
-          </a:extLst>
-        </p:cNvPr>
-        <p:cNvGrpSpPr/>
-        <p:nvPr/>
-      </p:nvGrpSpPr>
-      <p:grpSpPr>
-        <a:xfrm>
-          <a:off x="0" y="0"/>
-          <a:ext cx="0" cy="0"/>
-          <a:chOff x="0" y="0"/>
-          <a:chExt cx="0" cy="0"/>
-        </a:xfrm>
-      </p:grpSpPr>
-      <p:sp>
-        <p:nvSpPr>
-          <p:cNvPr id="7" name="TextBox 6">
-            <a:extLst>
-              <a:ext uri="{FF2B5EF4-FFF2-40B4-BE49-F238E27FC236}">
-                <a16:creationId xmlns:a16="http://schemas.microsoft.com/office/drawing/2014/main" id="{FFE9DD85-305D-2827-75FB-49913F75B643}"/>
-              </a:ext>
-            </a:extLst>
-          </p:cNvPr>
-          <p:cNvSpPr txBox="1"/>
-          <p:nvPr/>
-        </p:nvSpPr>
-        <p:spPr>
-          <a:xfrm>
-            <a:off x="1548882" y="1059024"/>
-            <a:ext cx="1551963" cy="369332"/>
-          </a:xfrm>
-          <a:prstGeom prst="rect">
-            <a:avLst/>
-          </a:prstGeom>
-          <a:noFill/>
-        </p:spPr>
-        <p:txBody>
-          <a:bodyPr wrap="none" rtlCol="0">
-            <a:spAutoFit/>
-          </a:bodyPr>
-          <a:lstStyle/>
-          <a:p>
-            <a:r>
-              <a:rPr lang="en-US" altLang="ko-KR" dirty="0"/>
-              <a:t>Decision tree</a:t>
-            </a:r>
-            <a:endParaRPr lang="ko-KR" altLang="en-US" dirty="0"/>
-          </a:p>
-        </p:txBody>
-      </p:sp>
-      <p:pic>
-        <p:nvPicPr>
-          <p:cNvPr id="4" name="그림 3">
-            <a:extLst>
-              <a:ext uri="{FF2B5EF4-FFF2-40B4-BE49-F238E27FC236}">
-                <a16:creationId xmlns:a16="http://schemas.microsoft.com/office/drawing/2014/main" id="{82E43487-0D73-57B8-6874-6DE2FF0E9D30}"/>
-              </a:ext>
-            </a:extLst>
-          </p:cNvPr>
-          <p:cNvPicPr>
-            <a:picLocks noChangeAspect="1"/>
-          </p:cNvPicPr>
-          <p:nvPr/>
-        </p:nvPicPr>
-        <p:blipFill>
-          <a:blip r:embed="rId2"/>
-          <a:stretch>
-            <a:fillRect/>
-          </a:stretch>
-        </p:blipFill>
-        <p:spPr>
-          <a:xfrm>
-            <a:off x="1919287" y="1924050"/>
-            <a:ext cx="8353425" cy="3009900"/>
-          </a:xfrm>
-          <a:prstGeom prst="rect">
-            <a:avLst/>
-          </a:prstGeom>
-        </p:spPr>
-      </p:pic>
-    </p:spTree>
-    <p:extLst>
-      <p:ext uri="{BB962C8B-B14F-4D97-AF65-F5344CB8AC3E}">
-        <p14:creationId xmlns:p14="http://schemas.microsoft.com/office/powerpoint/2010/main" val="3803425844"/>
       </p:ext>
     </p:extLst>
   </p:cSld>

--- a/figure.pptx
+++ b/figure.pptx
@@ -4192,6 +4192,36 @@
         </p:nvPicPr>
         <p:blipFill>
           <a:blip r:embed="rId3"/>
+          <a:stretch>
+            <a:fillRect/>
+          </a:stretch>
+        </p:blipFill>
+        <p:spPr>
+          <a:xfrm>
+            <a:off x="2047875" y="1924050"/>
+            <a:ext cx="8096250" cy="3009900"/>
+          </a:xfrm>
+          <a:prstGeom prst="rect">
+            <a:avLst/>
+          </a:prstGeom>
+        </p:spPr>
+      </p:pic>
+      <p:pic>
+        <p:nvPicPr>
+          <p:cNvPr id="3" name="그림 2">
+            <a:extLst>
+              <a:ext uri="{FF2B5EF4-FFF2-40B4-BE49-F238E27FC236}">
+                <a16:creationId xmlns:a16="http://schemas.microsoft.com/office/drawing/2014/main" id="{7045BD83-84F7-ACB2-81EF-14AAFDBB8928}"/>
+              </a:ext>
+            </a:extLst>
+          </p:cNvPr>
+          <p:cNvPicPr>
+            <a:picLocks noChangeAspect="1"/>
+          </p:cNvPicPr>
+          <p:nvPr/>
+        </p:nvPicPr>
+        <p:blipFill>
+          <a:blip r:embed="rId4"/>
           <a:stretch>
             <a:fillRect/>
           </a:stretch>
